--- a/01 C# Basic/04 Control Flow/PPT/02 Iteration Statements.pptx
+++ b/01 C# Basic/04 Control Flow/PPT/02 Iteration Statements.pptx
@@ -294,7 +294,7 @@
           <a:p>
             <a:fld id="{AA309A6D-C09C-4548-B29A-6CF363A7E532}" type="datetimeFigureOut">
               <a:rPr lang="fr-FR" smtClean="0"/>
-              <a:t>29/06/2019</a:t>
+              <a:t>24/11/2019</a:t>
             </a:fld>
             <a:endParaRPr lang="fr-BE"/>
           </a:p>
@@ -459,7 +459,7 @@
           <a:p>
             <a:fld id="{AA309A6D-C09C-4548-B29A-6CF363A7E532}" type="datetimeFigureOut">
               <a:rPr lang="fr-FR" smtClean="0"/>
-              <a:t>29/06/2019</a:t>
+              <a:t>24/11/2019</a:t>
             </a:fld>
             <a:endParaRPr lang="fr-BE"/>
           </a:p>
@@ -634,7 +634,7 @@
           <a:p>
             <a:fld id="{AA309A6D-C09C-4548-B29A-6CF363A7E532}" type="datetimeFigureOut">
               <a:rPr lang="fr-FR" smtClean="0"/>
-              <a:t>29/06/2019</a:t>
+              <a:t>24/11/2019</a:t>
             </a:fld>
             <a:endParaRPr lang="fr-BE"/>
           </a:p>
@@ -799,7 +799,7 @@
           <a:p>
             <a:fld id="{AA309A6D-C09C-4548-B29A-6CF363A7E532}" type="datetimeFigureOut">
               <a:rPr lang="fr-FR" smtClean="0"/>
-              <a:t>29/06/2019</a:t>
+              <a:t>24/11/2019</a:t>
             </a:fld>
             <a:endParaRPr lang="fr-BE"/>
           </a:p>
@@ -1040,7 +1040,7 @@
           <a:p>
             <a:fld id="{AA309A6D-C09C-4548-B29A-6CF363A7E532}" type="datetimeFigureOut">
               <a:rPr lang="fr-FR" smtClean="0"/>
-              <a:t>29/06/2019</a:t>
+              <a:t>24/11/2019</a:t>
             </a:fld>
             <a:endParaRPr lang="fr-BE"/>
           </a:p>
@@ -1323,7 +1323,7 @@
           <a:p>
             <a:fld id="{AA309A6D-C09C-4548-B29A-6CF363A7E532}" type="datetimeFigureOut">
               <a:rPr lang="fr-FR" smtClean="0"/>
-              <a:t>29/06/2019</a:t>
+              <a:t>24/11/2019</a:t>
             </a:fld>
             <a:endParaRPr lang="fr-BE"/>
           </a:p>
@@ -1740,7 +1740,7 @@
           <a:p>
             <a:fld id="{AA309A6D-C09C-4548-B29A-6CF363A7E532}" type="datetimeFigureOut">
               <a:rPr lang="fr-FR" smtClean="0"/>
-              <a:t>29/06/2019</a:t>
+              <a:t>24/11/2019</a:t>
             </a:fld>
             <a:endParaRPr lang="fr-BE"/>
           </a:p>
@@ -1853,7 +1853,7 @@
           <a:p>
             <a:fld id="{AA309A6D-C09C-4548-B29A-6CF363A7E532}" type="datetimeFigureOut">
               <a:rPr lang="fr-FR" smtClean="0"/>
-              <a:t>29/06/2019</a:t>
+              <a:t>24/11/2019</a:t>
             </a:fld>
             <a:endParaRPr lang="fr-BE"/>
           </a:p>
@@ -1943,7 +1943,7 @@
           <a:p>
             <a:fld id="{AA309A6D-C09C-4548-B29A-6CF363A7E532}" type="datetimeFigureOut">
               <a:rPr lang="fr-FR" smtClean="0"/>
-              <a:t>29/06/2019</a:t>
+              <a:t>24/11/2019</a:t>
             </a:fld>
             <a:endParaRPr lang="fr-BE"/>
           </a:p>
@@ -2215,7 +2215,7 @@
           <a:p>
             <a:fld id="{AA309A6D-C09C-4548-B29A-6CF363A7E532}" type="datetimeFigureOut">
               <a:rPr lang="fr-FR" smtClean="0"/>
-              <a:t>29/06/2019</a:t>
+              <a:t>24/11/2019</a:t>
             </a:fld>
             <a:endParaRPr lang="fr-BE"/>
           </a:p>
@@ -2463,7 +2463,7 @@
           <a:p>
             <a:fld id="{AA309A6D-C09C-4548-B29A-6CF363A7E532}" type="datetimeFigureOut">
               <a:rPr lang="fr-FR" smtClean="0"/>
-              <a:t>29/06/2019</a:t>
+              <a:t>24/11/2019</a:t>
             </a:fld>
             <a:endParaRPr lang="fr-BE"/>
           </a:p>
@@ -2671,7 +2671,7 @@
           <a:p>
             <a:fld id="{AA309A6D-C09C-4548-B29A-6CF363A7E532}" type="datetimeFigureOut">
               <a:rPr lang="fr-FR" smtClean="0"/>
-              <a:t>29/06/2019</a:t>
+              <a:t>24/11/2019</a:t>
             </a:fld>
             <a:endParaRPr lang="fr-BE"/>
           </a:p>
@@ -3143,6 +3143,13 @@
   <p:clrMapOvr>
     <a:masterClrMapping/>
   </p:clrMapOvr>
+  <p:timing>
+    <p:tnLst>
+      <p:par>
+        <p:cTn id="1" dur="indefinite" restart="never" nodeType="tmRoot"/>
+      </p:par>
+    </p:tnLst>
+  </p:timing>
 </p:sld>
 </file>
 
@@ -3265,6 +3272,13 @@
   <p:clrMapOvr>
     <a:masterClrMapping/>
   </p:clrMapOvr>
+  <p:timing>
+    <p:tnLst>
+      <p:par>
+        <p:cTn id="1" dur="indefinite" restart="never" nodeType="tmRoot"/>
+      </p:par>
+    </p:tnLst>
+  </p:timing>
 </p:sld>
 </file>
 
@@ -3387,6 +3401,13 @@
   <p:clrMapOvr>
     <a:masterClrMapping/>
   </p:clrMapOvr>
+  <p:timing>
+    <p:tnLst>
+      <p:par>
+        <p:cTn id="1" dur="indefinite" restart="never" nodeType="tmRoot"/>
+      </p:par>
+    </p:tnLst>
+  </p:timing>
 </p:sld>
 </file>
 
@@ -3509,6 +3530,13 @@
   <p:clrMapOvr>
     <a:masterClrMapping/>
   </p:clrMapOvr>
+  <p:timing>
+    <p:tnLst>
+      <p:par>
+        <p:cTn id="1" dur="indefinite" restart="never" nodeType="tmRoot"/>
+      </p:par>
+    </p:tnLst>
+  </p:timing>
 </p:sld>
 </file>
 
@@ -3631,6 +3659,13 @@
   <p:clrMapOvr>
     <a:masterClrMapping/>
   </p:clrMapOvr>
+  <p:timing>
+    <p:tnLst>
+      <p:par>
+        <p:cTn id="1" dur="indefinite" restart="never" nodeType="tmRoot"/>
+      </p:par>
+    </p:tnLst>
+  </p:timing>
 </p:sld>
 </file>
 
@@ -3753,6 +3788,13 @@
   <p:clrMapOvr>
     <a:masterClrMapping/>
   </p:clrMapOvr>
+  <p:timing>
+    <p:tnLst>
+      <p:par>
+        <p:cTn id="1" dur="indefinite" restart="never" nodeType="tmRoot"/>
+      </p:par>
+    </p:tnLst>
+  </p:timing>
 </p:sld>
 </file>
 
@@ -3875,6 +3917,13 @@
   <p:clrMapOvr>
     <a:masterClrMapping/>
   </p:clrMapOvr>
+  <p:timing>
+    <p:tnLst>
+      <p:par>
+        <p:cTn id="1" dur="indefinite" restart="never" nodeType="tmRoot"/>
+      </p:par>
+    </p:tnLst>
+  </p:timing>
 </p:sld>
 </file>
 
